--- a/1_course_master/НИР (2 семестр)/Автоматизация решения CAPTCHA в аудиоформате.pptx
+++ b/1_course_master/НИР (2 семестр)/Автоматизация решения CAPTCHA в аудиоформате.pptx
@@ -5365,32 +5365,6 @@
           </a:p>
         </p:txBody>
       </p:sp>
-      <p:pic>
-        <p:nvPicPr>
-          <p:cNvPr id="7" name="Замещающее содержимое 6" descr="Блок-схема распознавателя речи.drawio"/>
-          <p:cNvPicPr>
-            <a:picLocks noChangeAspect="1"/>
-          </p:cNvPicPr>
-          <p:nvPr>
-            <p:ph idx="1"/>
-          </p:nvPr>
-        </p:nvPicPr>
-        <p:blipFill>
-          <a:blip r:embed="rId1"/>
-          <a:stretch>
-            <a:fillRect/>
-          </a:stretch>
-        </p:blipFill>
-        <p:spPr>
-          <a:xfrm>
-            <a:off x="3736975" y="1527810"/>
-            <a:ext cx="4718685" cy="4507230"/>
-          </a:xfrm>
-          <a:prstGeom prst="rect">
-            <a:avLst/>
-          </a:prstGeom>
-        </p:spPr>
-      </p:pic>
       <p:sp>
         <p:nvSpPr>
           <p:cNvPr id="5" name="Замещающий нижний колонтитул 4"/>
@@ -5489,6 +5463,32 @@
           </a:p>
         </p:txBody>
       </p:sp>
+      <p:pic>
+        <p:nvPicPr>
+          <p:cNvPr id="4" name="Замещающее содержимое 3" descr="Блок-схема распознавателя речи (для презентации).drawio"/>
+          <p:cNvPicPr>
+            <a:picLocks noChangeAspect="1"/>
+          </p:cNvPicPr>
+          <p:nvPr>
+            <p:ph idx="1"/>
+          </p:nvPr>
+        </p:nvPicPr>
+        <p:blipFill>
+          <a:blip r:embed="rId1"/>
+          <a:stretch>
+            <a:fillRect/>
+          </a:stretch>
+        </p:blipFill>
+        <p:spPr>
+          <a:xfrm>
+            <a:off x="863600" y="1584325"/>
+            <a:ext cx="10083800" cy="4406265"/>
+          </a:xfrm>
+          <a:prstGeom prst="rect">
+            <a:avLst/>
+          </a:prstGeom>
+        </p:spPr>
+      </p:pic>
     </p:spTree>
   </p:cSld>
   <p:clrMapOvr>
@@ -5647,8 +5647,8 @@
         </p:blipFill>
         <p:spPr>
           <a:xfrm>
-            <a:off x="1147445" y="2414905"/>
-            <a:ext cx="9515475" cy="3171825"/>
+            <a:off x="654685" y="1997075"/>
+            <a:ext cx="10767695" cy="3589655"/>
           </a:xfrm>
           <a:prstGeom prst="rect">
             <a:avLst/>

--- a/1_course_master/НИР (2 семестр)/Автоматизация решения CAPTCHA в аудиоформате.pptx
+++ b/1_course_master/НИР (2 семестр)/Автоматизация решения CAPTCHA в аудиоформате.pptx
@@ -3855,7 +3855,7 @@
           <a:p>
             <a:r>
               <a:rPr lang="ru-RU" altLang="en-US"/>
-              <a:t>9 декабря 2024 г.</a:t>
+              <a:t>30 декабря 2024 г.</a:t>
             </a:r>
             <a:endParaRPr lang="ru-RU" altLang="en-US"/>
           </a:p>
@@ -3877,7 +3877,7 @@
           <a:p>
             <a:r>
               <a:rPr lang="ru-RU" altLang="en-US" smtClean="0"/>
-              <a:t>9 декабря 2024 г.</a:t>
+              <a:t>30 декабря 2024 г.</a:t>
             </a:r>
             <a:endParaRPr lang="ru-RU" altLang="en-US" smtClean="0"/>
           </a:p>
@@ -4451,7 +4451,7 @@
           <a:p>
             <a:r>
               <a:rPr lang="ru-RU" altLang="en-US" smtClean="0"/>
-              <a:t>9 декабря 2024 г.</a:t>
+              <a:t>30 декабря 2024 г.</a:t>
             </a:r>
             <a:endParaRPr lang="ru-RU" altLang="en-US" smtClean="0"/>
           </a:p>
@@ -4973,7 +4973,7 @@
           <a:p>
             <a:r>
               <a:rPr lang="ru-RU" altLang="en-US" smtClean="0"/>
-              <a:t>9 декабря 2024 г.</a:t>
+              <a:t>30 декабря 2024 г.</a:t>
             </a:r>
             <a:endParaRPr lang="ru-RU" altLang="en-US" smtClean="0"/>
           </a:p>
@@ -5163,7 +5163,7 @@
           <a:p>
             <a:r>
               <a:rPr lang="ru-RU" altLang="en-US" smtClean="0"/>
-              <a:t>9 декабря 2024 г.</a:t>
+              <a:t>30 декабря 2024 г.</a:t>
             </a:r>
             <a:endParaRPr lang="ru-RU" altLang="en-US" smtClean="0"/>
           </a:p>
@@ -5313,7 +5313,7 @@
           <a:p>
             <a:r>
               <a:rPr lang="ru-RU" altLang="en-US" smtClean="0"/>
-              <a:t>9 декабря 2024 г.</a:t>
+              <a:t>30 декабря 2024 г.</a:t>
             </a:r>
             <a:endParaRPr lang="ru-RU" altLang="en-US" smtClean="0"/>
           </a:p>
@@ -5457,7 +5457,7 @@
           <a:p>
             <a:r>
               <a:rPr lang="ru-RU" altLang="en-US" smtClean="0"/>
-              <a:t>9 декабря 2024 г.</a:t>
+              <a:t>30 декабря 2024 г.</a:t>
             </a:r>
             <a:endParaRPr lang="ru-RU" altLang="en-US" smtClean="0"/>
           </a:p>
@@ -5594,7 +5594,7 @@
           <a:p>
             <a:r>
               <a:rPr lang="ru-RU" altLang="en-US" smtClean="0"/>
-              <a:t>9 декабря 2024 г.</a:t>
+              <a:t>30 декабря 2024 г.</a:t>
             </a:r>
             <a:endParaRPr lang="ru-RU" altLang="en-US" smtClean="0"/>
           </a:p>
@@ -6111,7 +6111,7 @@
           <a:p>
             <a:r>
               <a:rPr lang="ru-RU" altLang="en-US" smtClean="0"/>
-              <a:t>9 декабря 2024 г.</a:t>
+              <a:t>30 декабря 2024 г.</a:t>
             </a:r>
             <a:endParaRPr lang="ru-RU" altLang="en-US" smtClean="0"/>
           </a:p>
